--- a/200128 - Ignite Tour @Milan/THR40004/THR40004 Provisioning Azure PaaS fluently with Management Libraries and C#.pptx
+++ b/200128 - Ignite Tour @Milan/THR40004/THR40004 Provisioning Azure PaaS fluently with Management Libraries and C#.pptx
@@ -3284,7 +3284,7 @@
               <a:rPr lang="en-US" smtClean="0">
                 <a:latin typeface="Segoe UI" pitchFamily="34" charset="0"/>
               </a:rPr>
-              <a:t>1/26/2020 9:42 PM</a:t>
+              <a:t>1/28/2020 12:49 PM</a:t>
             </a:fld>
             <a:endParaRPr lang="en-US" dirty="0">
               <a:latin typeface="Segoe UI" pitchFamily="34" charset="0"/>
@@ -3562,7 +3562,7 @@
           <a:p>
             <a:fld id="{386CE63F-9E7F-4C04-9D0D-FCA25A8E9E86}" type="datetime8">
               <a:rPr lang="en-US" smtClean="0"/>
-              <a:t>1/26/2020 9:42 PM</a:t>
+              <a:t>1/28/2020 12:47 PM</a:t>
             </a:fld>
             <a:endParaRPr lang="en-US" dirty="0"/>
           </a:p>
@@ -3929,7 +3929,7 @@
           <a:p>
             <a:fld id="{62072DC8-D49D-432C-9D46-A7718B5F5490}" type="datetime8">
               <a:rPr lang="en-US" smtClean="0"/>
-              <a:t>1/26/2020 9:42 PM</a:t>
+              <a:t>1/28/2020 12:47 PM</a:t>
             </a:fld>
             <a:endParaRPr lang="en-US" dirty="0"/>
           </a:p>
@@ -38691,7 +38691,7 @@
       </p:sp>
       <p:graphicFrame>
         <p:nvGraphicFramePr>
-          <p:cNvPr id="7" name="Diagram 6">
+          <p:cNvPr id="7" name="Diagram 6" descr="In this diagram we show the common options while automating things. First, we can approach problem with repetitive actions. Also, we can use ARM templates. Finally, we can use powershell.">
             <a:extLst>
               <a:ext uri="{FF2B5EF4-FFF2-40B4-BE49-F238E27FC236}">
                 <a16:creationId xmlns:a16="http://schemas.microsoft.com/office/drawing/2014/main" id="{00F2564D-339F-4AE6-91DE-B1064D0C1456}"/>
@@ -38699,7 +38699,13 @@
             </a:extLst>
           </p:cNvPr>
           <p:cNvGraphicFramePr/>
-          <p:nvPr/>
+          <p:nvPr>
+            <p:extLst>
+              <p:ext uri="{D42A27DB-BD31-4B8C-83A1-F6EECF244321}">
+                <p14:modId xmlns:p14="http://schemas.microsoft.com/office/powerpoint/2010/main" val="314848648"/>
+              </p:ext>
+            </p:extLst>
+          </p:nvPr>
         </p:nvGraphicFramePr>
         <p:xfrm>
           <a:off x="1581149" y="2043952"/>
@@ -38846,7 +38852,7 @@
       </p:sp>
       <p:grpSp>
         <p:nvGrpSpPr>
-          <p:cNvPr id="4" name="Group 3">
+          <p:cNvPr id="4" name="Group 3" descr="Web Image">
             <a:extLst>
               <a:ext uri="{FF2B5EF4-FFF2-40B4-BE49-F238E27FC236}">
                 <a16:creationId xmlns:a16="http://schemas.microsoft.com/office/drawing/2014/main" id="{B2963CBA-852C-40F8-85A2-C937F0A5D8A3}"/>
@@ -38955,7 +38961,7 @@
       </p:grpSp>
       <p:grpSp>
         <p:nvGrpSpPr>
-          <p:cNvPr id="7" name="Group 6">
+          <p:cNvPr id="7" name="Group 6" descr="Storage image">
             <a:extLst>
               <a:ext uri="{FF2B5EF4-FFF2-40B4-BE49-F238E27FC236}">
                 <a16:creationId xmlns:a16="http://schemas.microsoft.com/office/drawing/2014/main" id="{7A78782B-2B94-4949-A7A5-A575E80A17F5}"/>
@@ -39068,6 +39074,9 @@
             <a:extLst>
               <a:ext uri="{FF2B5EF4-FFF2-40B4-BE49-F238E27FC236}">
                 <a16:creationId xmlns:a16="http://schemas.microsoft.com/office/drawing/2014/main" id="{60882FF0-F8F9-48CA-8651-895FDA4B3D50}"/>
+              </a:ext>
+              <a:ext uri="{C183D7F6-B498-43B3-948B-1728B52AA6E4}">
+                <adec:decorative xmlns:adec="http://schemas.microsoft.com/office/drawing/2017/decorative" val="1"/>
               </a:ext>
             </a:extLst>
           </p:cNvPr>
@@ -39266,6 +39275,9 @@
               <a:ext uri="{FF2B5EF4-FFF2-40B4-BE49-F238E27FC236}">
                 <a16:creationId xmlns:a16="http://schemas.microsoft.com/office/drawing/2014/main" id="{146680F5-15C0-40AE-B9C8-46EACBA1E30B}"/>
               </a:ext>
+              <a:ext uri="{C183D7F6-B498-43B3-948B-1728B52AA6E4}">
+                <adec:decorative xmlns:adec="http://schemas.microsoft.com/office/drawing/2017/decorative" val="1"/>
+              </a:ext>
             </a:extLst>
           </p:cNvPr>
           <p:cNvGrpSpPr/>
@@ -39462,6 +39474,9 @@
             <a:extLst>
               <a:ext uri="{FF2B5EF4-FFF2-40B4-BE49-F238E27FC236}">
                 <a16:creationId xmlns:a16="http://schemas.microsoft.com/office/drawing/2014/main" id="{E343DD67-CF1C-4479-8FB6-02F4CBC48439}"/>
+              </a:ext>
+              <a:ext uri="{C183D7F6-B498-43B3-948B-1728B52AA6E4}">
+                <adec:decorative xmlns:adec="http://schemas.microsoft.com/office/drawing/2017/decorative" val="1"/>
               </a:ext>
             </a:extLst>
           </p:cNvPr>
@@ -39660,6 +39675,9 @@
               <a:ext uri="{FF2B5EF4-FFF2-40B4-BE49-F238E27FC236}">
                 <a16:creationId xmlns:a16="http://schemas.microsoft.com/office/drawing/2014/main" id="{44817372-6DD8-4686-9501-6C34AF09821D}"/>
               </a:ext>
+              <a:ext uri="{C183D7F6-B498-43B3-948B-1728B52AA6E4}">
+                <adec:decorative xmlns:adec="http://schemas.microsoft.com/office/drawing/2017/decorative" val="1"/>
+              </a:ext>
             </a:extLst>
           </p:cNvPr>
           <p:cNvGrpSpPr/>
@@ -39856,6 +39874,9 @@
             <a:extLst>
               <a:ext uri="{FF2B5EF4-FFF2-40B4-BE49-F238E27FC236}">
                 <a16:creationId xmlns:a16="http://schemas.microsoft.com/office/drawing/2014/main" id="{DD0A7481-8D61-4435-9224-150CC86B8643}"/>
+              </a:ext>
+              <a:ext uri="{C183D7F6-B498-43B3-948B-1728B52AA6E4}">
+                <adec:decorative xmlns:adec="http://schemas.microsoft.com/office/drawing/2017/decorative" val="1"/>
               </a:ext>
             </a:extLst>
           </p:cNvPr>
@@ -40049,7 +40070,7 @@
       </p:sp>
       <p:grpSp>
         <p:nvGrpSpPr>
-          <p:cNvPr id="35" name="Group 34">
+          <p:cNvPr id="35" name="Group 34" descr="Message image">
             <a:extLst>
               <a:ext uri="{FF2B5EF4-FFF2-40B4-BE49-F238E27FC236}">
                 <a16:creationId xmlns:a16="http://schemas.microsoft.com/office/drawing/2014/main" id="{72E02987-3A5C-47E9-B07E-626485DA4DA9}"/>
@@ -40158,7 +40179,7 @@
       </p:grpSp>
       <p:grpSp>
         <p:nvGrpSpPr>
-          <p:cNvPr id="38" name="Group 37">
+          <p:cNvPr id="38" name="Group 37" descr="Notification image">
             <a:extLst>
               <a:ext uri="{FF2B5EF4-FFF2-40B4-BE49-F238E27FC236}">
                 <a16:creationId xmlns:a16="http://schemas.microsoft.com/office/drawing/2014/main" id="{3730705E-152C-4EE4-9A55-FC68290ED505}"/>
@@ -40267,7 +40288,7 @@
       </p:grpSp>
       <p:grpSp>
         <p:nvGrpSpPr>
-          <p:cNvPr id="41" name="Group 40">
+          <p:cNvPr id="41" name="Group 40" descr="Processor image">
             <a:extLst>
               <a:ext uri="{FF2B5EF4-FFF2-40B4-BE49-F238E27FC236}">
                 <a16:creationId xmlns:a16="http://schemas.microsoft.com/office/drawing/2014/main" id="{FFF5713F-17F1-4A05-BBA7-3C319FB4006D}"/>
@@ -40376,7 +40397,7 @@
       </p:grpSp>
       <p:grpSp>
         <p:nvGrpSpPr>
-          <p:cNvPr id="44" name="Group 43">
+          <p:cNvPr id="44" name="Group 43" descr="DNS &amp; SSL">
             <a:extLst>
               <a:ext uri="{FF2B5EF4-FFF2-40B4-BE49-F238E27FC236}">
                 <a16:creationId xmlns:a16="http://schemas.microsoft.com/office/drawing/2014/main" id="{C283A974-E5AE-4F41-B227-546295808B8F}"/>
@@ -40485,7 +40506,7 @@
       </p:grpSp>
       <p:grpSp>
         <p:nvGrpSpPr>
-          <p:cNvPr id="47" name="Group 46">
+          <p:cNvPr id="47" name="Group 46" descr="Database image">
             <a:extLst>
               <a:ext uri="{FF2B5EF4-FFF2-40B4-BE49-F238E27FC236}">
                 <a16:creationId xmlns:a16="http://schemas.microsoft.com/office/drawing/2014/main" id="{5D0A4CED-2BF1-466E-9469-3969DA30BCFA}"/>
@@ -40598,6 +40619,9 @@
             <a:extLst>
               <a:ext uri="{FF2B5EF4-FFF2-40B4-BE49-F238E27FC236}">
                 <a16:creationId xmlns:a16="http://schemas.microsoft.com/office/drawing/2014/main" id="{C71250FF-BCF8-42CD-A590-1E7FA1131D16}"/>
+              </a:ext>
+              <a:ext uri="{C183D7F6-B498-43B3-948B-1728B52AA6E4}">
+                <adec:decorative xmlns:adec="http://schemas.microsoft.com/office/drawing/2017/decorative" val="1"/>
               </a:ext>
             </a:extLst>
           </p:cNvPr>
@@ -40796,6 +40820,9 @@
               <a:ext uri="{FF2B5EF4-FFF2-40B4-BE49-F238E27FC236}">
                 <a16:creationId xmlns:a16="http://schemas.microsoft.com/office/drawing/2014/main" id="{FBAE74DE-D637-4559-B31D-7D1FA47ED495}"/>
               </a:ext>
+              <a:ext uri="{C183D7F6-B498-43B3-948B-1728B52AA6E4}">
+                <adec:decorative xmlns:adec="http://schemas.microsoft.com/office/drawing/2017/decorative" val="1"/>
+              </a:ext>
             </a:extLst>
           </p:cNvPr>
           <p:cNvCxnSpPr>
@@ -40839,6 +40866,9 @@
               <a:ext uri="{FF2B5EF4-FFF2-40B4-BE49-F238E27FC236}">
                 <a16:creationId xmlns:a16="http://schemas.microsoft.com/office/drawing/2014/main" id="{69F8FBE8-FCA4-4F97-AF9B-BECF462B9ADB}"/>
               </a:ext>
+              <a:ext uri="{C183D7F6-B498-43B3-948B-1728B52AA6E4}">
+                <adec:decorative xmlns:adec="http://schemas.microsoft.com/office/drawing/2017/decorative" val="1"/>
+              </a:ext>
             </a:extLst>
           </p:cNvPr>
           <p:cNvCxnSpPr>
@@ -40880,6 +40910,9 @@
             <a:extLst>
               <a:ext uri="{FF2B5EF4-FFF2-40B4-BE49-F238E27FC236}">
                 <a16:creationId xmlns:a16="http://schemas.microsoft.com/office/drawing/2014/main" id="{C98DA8B7-073A-4F81-86B3-623C770A13DB}"/>
+              </a:ext>
+              <a:ext uri="{C183D7F6-B498-43B3-948B-1728B52AA6E4}">
+                <adec:decorative xmlns:adec="http://schemas.microsoft.com/office/drawing/2017/decorative" val="1"/>
               </a:ext>
             </a:extLst>
           </p:cNvPr>
@@ -40923,6 +40956,9 @@
               <a:ext uri="{FF2B5EF4-FFF2-40B4-BE49-F238E27FC236}">
                 <a16:creationId xmlns:a16="http://schemas.microsoft.com/office/drawing/2014/main" id="{9A374DAC-DD8B-4E19-B523-00ABD3E96331}"/>
               </a:ext>
+              <a:ext uri="{C183D7F6-B498-43B3-948B-1728B52AA6E4}">
+                <adec:decorative xmlns:adec="http://schemas.microsoft.com/office/drawing/2017/decorative" val="1"/>
+              </a:ext>
             </a:extLst>
           </p:cNvPr>
           <p:cNvCxnSpPr>
@@ -40965,6 +41001,9 @@
               <a:ext uri="{FF2B5EF4-FFF2-40B4-BE49-F238E27FC236}">
                 <a16:creationId xmlns:a16="http://schemas.microsoft.com/office/drawing/2014/main" id="{6F066272-017B-4154-B65A-826307C5117A}"/>
               </a:ext>
+              <a:ext uri="{C183D7F6-B498-43B3-948B-1728B52AA6E4}">
+                <adec:decorative xmlns:adec="http://schemas.microsoft.com/office/drawing/2017/decorative" val="1"/>
+              </a:ext>
             </a:extLst>
           </p:cNvPr>
           <p:cNvCxnSpPr>
@@ -41006,6 +41045,9 @@
             <a:extLst>
               <a:ext uri="{FF2B5EF4-FFF2-40B4-BE49-F238E27FC236}">
                 <a16:creationId xmlns:a16="http://schemas.microsoft.com/office/drawing/2014/main" id="{79E82486-1783-47EC-B755-3DD3D99A71D5}"/>
+              </a:ext>
+              <a:ext uri="{C183D7F6-B498-43B3-948B-1728B52AA6E4}">
+                <adec:decorative xmlns:adec="http://schemas.microsoft.com/office/drawing/2017/decorative" val="1"/>
               </a:ext>
             </a:extLst>
           </p:cNvPr>
@@ -42698,6 +42740,16 @@
 </file>
 
 <file path=customXml/item2.xml><?xml version="1.0" encoding="utf-8"?>
+<p:properties xmlns:p="http://schemas.microsoft.com/office/2006/metadata/properties" xmlns:xsi="http://www.w3.org/2001/XMLSchema-instance" xmlns:pc="http://schemas.microsoft.com/office/infopath/2007/PartnerControls">
+  <documentManagement>
+    <_ip_UnifiedCompliancePolicyUIAction xmlns="http://schemas.microsoft.com/sharepoint/v3" xsi:nil="true"/>
+    <_ip_UnifiedCompliancePolicyProperties xmlns="http://schemas.microsoft.com/sharepoint/v3" xsi:nil="true"/>
+    <MediaServiceKeyPoints xmlns="e4aa919a-b200-49cb-beca-4c7e0810321e" xsi:nil="true"/>
+  </documentManagement>
+</p:properties>
+</file>
+
+<file path=customXml/item3.xml><?xml version="1.0" encoding="utf-8"?>
 <ct:contentTypeSchema xmlns:ct="http://schemas.microsoft.com/office/2006/metadata/contentType" xmlns:ma="http://schemas.microsoft.com/office/2006/metadata/properties/metaAttributes" ct:_="" ma:_="" ma:contentTypeName="Document" ma:contentTypeID="0x010100778A2EBC6E34694C80F43E94FCA993B5" ma:contentTypeVersion="14" ma:contentTypeDescription="Create a new document." ma:contentTypeScope="" ma:versionID="1a7ced39ac191f9ec8deffde533b0c1c">
   <xsd:schema xmlns:xsd="http://www.w3.org/2001/XMLSchema" xmlns:xs="http://www.w3.org/2001/XMLSchema" xmlns:p="http://schemas.microsoft.com/office/2006/metadata/properties" xmlns:ns1="http://schemas.microsoft.com/sharepoint/v3" xmlns:ns2="e4aa919a-b200-49cb-beca-4c7e0810321e" xmlns:ns3="06670dda-0291-4061-b6e0-f6c0cb392c51" targetNamespace="http://schemas.microsoft.com/office/2006/metadata/properties" ma:root="true" ma:fieldsID="bedea8c8816a4e5934c808becd103583" ns1:_="" ns2:_="" ns3:_="">
     <xsd:import namespace="http://schemas.microsoft.com/sharepoint/v3"/>
@@ -42931,16 +42983,6 @@
 </ct:contentTypeSchema>
 </file>
 
-<file path=customXml/item3.xml><?xml version="1.0" encoding="utf-8"?>
-<p:properties xmlns:p="http://schemas.microsoft.com/office/2006/metadata/properties" xmlns:xsi="http://www.w3.org/2001/XMLSchema-instance" xmlns:pc="http://schemas.microsoft.com/office/infopath/2007/PartnerControls">
-  <documentManagement>
-    <_ip_UnifiedCompliancePolicyUIAction xmlns="http://schemas.microsoft.com/sharepoint/v3" xsi:nil="true"/>
-    <_ip_UnifiedCompliancePolicyProperties xmlns="http://schemas.microsoft.com/sharepoint/v3" xsi:nil="true"/>
-    <MediaServiceKeyPoints xmlns="e4aa919a-b200-49cb-beca-4c7e0810321e" xsi:nil="true"/>
-  </documentManagement>
-</p:properties>
-</file>
-
 <file path=customXml/itemProps1.xml><?xml version="1.0" encoding="utf-8"?>
 <ds:datastoreItem xmlns:ds="http://schemas.openxmlformats.org/officeDocument/2006/customXml" ds:itemID="{758FDAC0-319D-4A54-8D8E-1D42CB1F8004}">
   <ds:schemaRefs>
@@ -42950,6 +42992,24 @@
 </file>
 
 <file path=customXml/itemProps2.xml><?xml version="1.0" encoding="utf-8"?>
+<ds:datastoreItem xmlns:ds="http://schemas.openxmlformats.org/officeDocument/2006/customXml" ds:itemID="{F990F116-B58F-4255-B05B-DA3808E0E5C6}">
+  <ds:schemaRefs>
+    <ds:schemaRef ds:uri="http://schemas.microsoft.com/office/2006/documentManagement/types"/>
+    <ds:schemaRef ds:uri="http://schemas.openxmlformats.org/package/2006/metadata/core-properties"/>
+    <ds:schemaRef ds:uri="http://www.w3.org/XML/1998/namespace"/>
+    <ds:schemaRef ds:uri="http://purl.org/dc/terms/"/>
+    <ds:schemaRef ds:uri="http://schemas.microsoft.com/sharepoint/v3"/>
+    <ds:schemaRef ds:uri="http://schemas.microsoft.com/office/2006/metadata/properties"/>
+    <ds:schemaRef ds:uri="http://purl.org/dc/elements/1.1/"/>
+    <ds:schemaRef ds:uri="http://schemas.microsoft.com/office/infopath/2007/PartnerControls"/>
+    <ds:schemaRef ds:uri="06670dda-0291-4061-b6e0-f6c0cb392c51"/>
+    <ds:schemaRef ds:uri="e4aa919a-b200-49cb-beca-4c7e0810321e"/>
+    <ds:schemaRef ds:uri="http://purl.org/dc/dcmitype/"/>
+  </ds:schemaRefs>
+</ds:datastoreItem>
+</file>
+
+<file path=customXml/itemProps3.xml><?xml version="1.0" encoding="utf-8"?>
 <ds:datastoreItem xmlns:ds="http://schemas.openxmlformats.org/officeDocument/2006/customXml" ds:itemID="{0BB3C309-8520-4616-80FC-2CB10D5B83A0}">
   <ds:schemaRefs>
     <ds:schemaRef ds:uri="http://schemas.microsoft.com/office/2006/metadata/contentType"/>
@@ -42967,22 +43027,4 @@
     <ds:schemaRef ds:uri="http://schemas.microsoft.com/internal/obd"/>
   </ds:schemaRefs>
 </ds:datastoreItem>
-</file>
-
-<file path=customXml/itemProps3.xml><?xml version="1.0" encoding="utf-8"?>
-<ds:datastoreItem xmlns:ds="http://schemas.openxmlformats.org/officeDocument/2006/customXml" ds:itemID="{F990F116-B58F-4255-B05B-DA3808E0E5C6}">
-  <ds:schemaRefs>
-    <ds:schemaRef ds:uri="http://schemas.microsoft.com/office/2006/documentManagement/types"/>
-    <ds:schemaRef ds:uri="http://schemas.openxmlformats.org/package/2006/metadata/core-properties"/>
-    <ds:schemaRef ds:uri="http://www.w3.org/XML/1998/namespace"/>
-    <ds:schemaRef ds:uri="http://purl.org/dc/terms/"/>
-    <ds:schemaRef ds:uri="http://schemas.microsoft.com/sharepoint/v3"/>
-    <ds:schemaRef ds:uri="http://schemas.microsoft.com/office/2006/metadata/properties"/>
-    <ds:schemaRef ds:uri="http://purl.org/dc/elements/1.1/"/>
-    <ds:schemaRef ds:uri="http://schemas.microsoft.com/office/infopath/2007/PartnerControls"/>
-    <ds:schemaRef ds:uri="06670dda-0291-4061-b6e0-f6c0cb392c51"/>
-    <ds:schemaRef ds:uri="e4aa919a-b200-49cb-beca-4c7e0810321e"/>
-    <ds:schemaRef ds:uri="http://purl.org/dc/dcmitype/"/>
-  </ds:schemaRefs>
-</ds:datastoreItem>
 </file>